--- a/results/Презентация ВКР Мазуров Илья.pptx
+++ b/results/Презентация ВКР Мазуров Илья.pptx
@@ -286,7 +286,7 @@
           <a:p>
             <a:fld id="{1160EA64-D806-43AC-9DF2-F8C432F32B4C}" type="datetimeFigureOut">
               <a:rPr lang="en-US" smtClean="0"/>
-              <a:t>6/1/2022</a:t>
+              <a:t>6/19/2022</a:t>
             </a:fld>
             <a:endParaRPr lang="en-US" dirty="0"/>
           </a:p>
@@ -457,7 +457,7 @@
           <a:p>
             <a:fld id="{E9F9C37B-1D36-470B-8223-D6C91242EC14}" type="datetimeFigureOut">
               <a:rPr lang="en-US" smtClean="0"/>
-              <a:t>6/1/2022</a:t>
+              <a:t>6/19/2022</a:t>
             </a:fld>
             <a:endParaRPr lang="en-US" dirty="0"/>
           </a:p>
@@ -637,7 +637,7 @@
           <a:p>
             <a:fld id="{67C6F52A-A82B-47A2-A83A-8C4C91F2D59F}" type="datetimeFigureOut">
               <a:rPr lang="en-US" smtClean="0"/>
-              <a:t>6/1/2022</a:t>
+              <a:t>6/19/2022</a:t>
             </a:fld>
             <a:endParaRPr lang="en-US" dirty="0"/>
           </a:p>
@@ -807,7 +807,7 @@
           <a:p>
             <a:fld id="{F070A7B3-6521-4DCA-87E5-044747A908C1}" type="datetimeFigureOut">
               <a:rPr lang="en-US" smtClean="0"/>
-              <a:t>6/1/2022</a:t>
+              <a:t>6/19/2022</a:t>
             </a:fld>
             <a:endParaRPr lang="en-US" dirty="0"/>
           </a:p>
@@ -1076,7 +1076,7 @@
           <a:p>
             <a:fld id="{1160EA64-D806-43AC-9DF2-F8C432F32B4C}" type="datetimeFigureOut">
               <a:rPr lang="en-US" smtClean="0"/>
-              <a:t>6/1/2022</a:t>
+              <a:t>6/19/2022</a:t>
             </a:fld>
             <a:endParaRPr lang="en-US" dirty="0"/>
           </a:p>
@@ -1309,7 +1309,7 @@
           <a:p>
             <a:fld id="{AB134690-1557-4C89-A502-4959FE7FAD70}" type="datetimeFigureOut">
               <a:rPr lang="en-US" smtClean="0"/>
-              <a:t>6/1/2022</a:t>
+              <a:t>6/19/2022</a:t>
             </a:fld>
             <a:endParaRPr lang="en-US" dirty="0"/>
           </a:p>
@@ -1664,7 +1664,7 @@
           <a:p>
             <a:fld id="{4F7D4976-E339-4826-83B7-FBD03F55ECF8}" type="datetimeFigureOut">
               <a:rPr lang="en-US" smtClean="0"/>
-              <a:t>6/1/2022</a:t>
+              <a:t>6/19/2022</a:t>
             </a:fld>
             <a:endParaRPr lang="en-US" dirty="0"/>
           </a:p>
@@ -1805,7 +1805,7 @@
           <a:p>
             <a:fld id="{E1037C31-9E7A-4F99-8774-A0E530DE1A42}" type="datetimeFigureOut">
               <a:rPr lang="en-US" smtClean="0"/>
-              <a:t>6/1/2022</a:t>
+              <a:t>6/19/2022</a:t>
             </a:fld>
             <a:endParaRPr lang="en-US" dirty="0"/>
           </a:p>
@@ -1900,7 +1900,7 @@
           <a:p>
             <a:fld id="{C278504F-A551-4DE0-9316-4DCD1D8CC752}" type="datetimeFigureOut">
               <a:rPr lang="en-US" smtClean="0"/>
-              <a:t>6/1/2022</a:t>
+              <a:t>6/19/2022</a:t>
             </a:fld>
             <a:endParaRPr lang="en-US" dirty="0"/>
           </a:p>
@@ -2257,7 +2257,7 @@
           <a:p>
             <a:fld id="{D1BE4249-C0D0-4B06-8692-E8BB871AF643}" type="datetimeFigureOut">
               <a:rPr lang="en-US" smtClean="0"/>
-              <a:t>6/1/2022</a:t>
+              <a:t>6/19/2022</a:t>
             </a:fld>
             <a:endParaRPr lang="en-US" dirty="0"/>
           </a:p>
@@ -2613,7 +2613,7 @@
           <a:p>
             <a:fld id="{042B0DB6-F5C7-45FB-8CF3-31B45F9C2DAC}" type="datetimeFigureOut">
               <a:rPr lang="en-US" smtClean="0"/>
-              <a:t>6/1/2022</a:t>
+              <a:t>6/19/2022</a:t>
             </a:fld>
             <a:endParaRPr lang="en-US" dirty="0"/>
           </a:p>
@@ -2852,7 +2852,7 @@
           <a:p>
             <a:fld id="{1160EA64-D806-43AC-9DF2-F8C432F32B4C}" type="datetimeFigureOut">
               <a:rPr lang="en-US" smtClean="0"/>
-              <a:t>6/1/2022</a:t>
+              <a:t>6/19/2022</a:t>
             </a:fld>
             <a:endParaRPr lang="en-US" dirty="0"/>
           </a:p>
@@ -4323,7 +4323,12 @@
             <p:ph type="title"/>
           </p:nvPr>
         </p:nvSpPr>
-        <p:spPr/>
+        <p:spPr>
+          <a:xfrm>
+            <a:off x="1005840" y="964692"/>
+            <a:ext cx="8955024" cy="1188720"/>
+          </a:xfrm>
+        </p:spPr>
         <p:txBody>
           <a:bodyPr/>
           <a:lstStyle/>
@@ -4448,6 +4453,45 @@
               <a:rPr lang="ru-RU"/>
             </a:br>
             <a:endParaRPr lang="ru-RU" dirty="0"/>
+          </a:p>
+        </p:txBody>
+      </p:sp>
+      <p:sp>
+        <p:nvSpPr>
+          <p:cNvPr id="5" name="Объект 2">
+            <a:extLst>
+              <a:ext uri="{FF2B5EF4-FFF2-40B4-BE49-F238E27FC236}">
+                <a16:creationId xmlns:a16="http://schemas.microsoft.com/office/drawing/2014/main" id="{62BCE78D-D454-4112-A4D6-930783B3BB6E}"/>
+              </a:ext>
+            </a:extLst>
+          </p:cNvPr>
+          <p:cNvSpPr>
+            <a:spLocks noGrp="1"/>
+          </p:cNvSpPr>
+          <p:nvPr>
+            <p:ph idx="1"/>
+          </p:nvPr>
+        </p:nvSpPr>
+        <p:spPr>
+          <a:xfrm>
+            <a:off x="1005840" y="2509359"/>
+            <a:ext cx="5427617" cy="3845882"/>
+          </a:xfrm>
+        </p:spPr>
+        <p:txBody>
+          <a:bodyPr>
+            <a:normAutofit/>
+          </a:bodyPr>
+          <a:lstStyle/>
+          <a:p>
+            <a:pPr>
+              <a:buFont typeface="Courier New" panose="02070309020205020404" pitchFamily="49" charset="0"/>
+              <a:buChar char="o"/>
+            </a:pPr>
+            <a:r>
+              <a:rPr lang="ru-RU" sz="2400" dirty="0"/>
+              <a:t>В результате выполнения выпускной квалификационной работы было разработано микросервисное приложение для организации работы контакт-центра.</a:t>
+            </a:r>
           </a:p>
         </p:txBody>
       </p:sp>
